--- a/01_Introduction.pptx
+++ b/01_Introduction.pptx
@@ -262,7 +262,7 @@
           <a:p>
             <a:fld id="{C07299BE-0F96-4D8C-8AC3-AFAE1A841C66}" type="datetimeFigureOut">
               <a:rPr lang="en-US" smtClean="0"/>
-              <a:t>14-Jun-2022</a:t>
+              <a:t>28-Jun-2022</a:t>
             </a:fld>
             <a:endParaRPr lang="en-US" dirty="0"/>
           </a:p>
@@ -439,7 +439,7 @@
           <a:p>
             <a:fld id="{454692AC-01A2-4EFF-966B-504F28E82D7A}" type="datetimeFigureOut">
               <a:rPr lang="en-US" noProof="0" smtClean="0"/>
-              <a:t>14-Jun-2022</a:t>
+              <a:t>28-Jun-2022</a:t>
             </a:fld>
             <a:endParaRPr lang="en-US" noProof="0" dirty="0"/>
           </a:p>
@@ -2012,7 +2012,7 @@
           <a:p>
             <a:fld id="{E9322B09-F574-4AEB-818F-D8694B9C0311}" type="datetime1">
               <a:rPr lang="en-US" smtClean="0"/>
-              <a:t>14-Jun-2022</a:t>
+              <a:t>28-Jun-2022</a:t>
             </a:fld>
             <a:endParaRPr lang="en-US" dirty="0"/>
           </a:p>
@@ -2040,10 +2040,9 @@
           <a:lstStyle/>
           <a:p>
             <a:r>
-              <a:rPr lang="en-US"/>
+              <a:rPr lang="en-US" dirty="0"/>
               <a:t>LARAVEL TRAINING</a:t>
             </a:r>
-            <a:endParaRPr lang="en-US" dirty="0"/>
           </a:p>
         </p:txBody>
       </p:sp>
@@ -2173,7 +2172,7 @@
           <a:p>
             <a:fld id="{CE59D279-701F-43A4-8693-B85D86710886}" type="datetime1">
               <a:rPr lang="en-US" smtClean="0"/>
-              <a:t>14-Jun-2022</a:t>
+              <a:t>28-Jun-2022</a:t>
             </a:fld>
             <a:endParaRPr lang="en-US" dirty="0"/>
           </a:p>
@@ -2201,10 +2200,9 @@
           <a:lstStyle/>
           <a:p>
             <a:r>
-              <a:rPr lang="en-US"/>
+              <a:rPr lang="en-US" dirty="0"/>
               <a:t>LARAVEL TRAINING</a:t>
             </a:r>
-            <a:endParaRPr lang="en-US" dirty="0"/>
           </a:p>
         </p:txBody>
       </p:sp>
@@ -2299,10 +2297,9 @@
           </a:lstStyle>
           <a:p>
             <a:r>
-              <a:rPr lang="en-US"/>
+              <a:rPr lang="en-US" dirty="0"/>
               <a:t>Click icon to add picture</a:t>
             </a:r>
-            <a:endParaRPr lang="en-US" dirty="0"/>
           </a:p>
         </p:txBody>
       </p:sp>
@@ -2543,7 +2540,7 @@
           <a:p>
             <a:fld id="{71AC1A6A-F867-431C-97BF-F7E6B65193FC}" type="datetime1">
               <a:rPr lang="en-US" smtClean="0"/>
-              <a:t>14-Jun-2022</a:t>
+              <a:t>28-Jun-2022</a:t>
             </a:fld>
             <a:endParaRPr lang="en-US" dirty="0"/>
           </a:p>
@@ -2576,10 +2573,9 @@
           <a:lstStyle/>
           <a:p>
             <a:r>
-              <a:rPr lang="en-US"/>
+              <a:rPr lang="en-US" dirty="0"/>
               <a:t>LARAVEL TRAINING</a:t>
             </a:r>
-            <a:endParaRPr lang="en-US" dirty="0"/>
           </a:p>
         </p:txBody>
       </p:sp>
@@ -2654,7 +2650,7 @@
           </a:lstStyle>
           <a:p>
             <a:r>
-              <a:rPr lang="en-US"/>
+              <a:rPr lang="en-US" dirty="0"/>
               <a:t>Click icon to add picture</a:t>
             </a:r>
             <a:endParaRPr lang="ru-RU" dirty="0"/>
@@ -2765,10 +2761,9 @@
           </a:lstStyle>
           <a:p>
             <a:r>
-              <a:rPr lang="en-US"/>
+              <a:rPr lang="en-US" dirty="0"/>
               <a:t>Click icon to add picture</a:t>
             </a:r>
-            <a:endParaRPr lang="en-US" dirty="0"/>
           </a:p>
         </p:txBody>
       </p:sp>
@@ -3101,7 +3096,7 @@
           <a:p>
             <a:fld id="{846714EB-B550-4AEB-8F81-A19CAC251A63}" type="datetime1">
               <a:rPr lang="en-US" smtClean="0"/>
-              <a:t>14-Jun-2022</a:t>
+              <a:t>28-Jun-2022</a:t>
             </a:fld>
             <a:endParaRPr lang="en-US" dirty="0"/>
           </a:p>
@@ -3134,10 +3129,9 @@
           <a:lstStyle/>
           <a:p>
             <a:r>
-              <a:rPr lang="en-US"/>
+              <a:rPr lang="en-US" dirty="0"/>
               <a:t>LARAVEL TRAINING</a:t>
             </a:r>
-            <a:endParaRPr lang="en-US" dirty="0"/>
           </a:p>
         </p:txBody>
       </p:sp>
@@ -3312,10 +3306,9 @@
           </a:lstStyle>
           <a:p>
             <a:r>
-              <a:rPr lang="en-US"/>
+              <a:rPr lang="en-US" dirty="0"/>
               <a:t>Click icon to add picture</a:t>
             </a:r>
-            <a:endParaRPr lang="en-US" dirty="0"/>
           </a:p>
         </p:txBody>
       </p:sp>
@@ -3458,7 +3451,7 @@
           <a:p>
             <a:fld id="{EAE6B66A-B7AF-437F-9956-E9B121D659C7}" type="datetime1">
               <a:rPr lang="en-US" smtClean="0"/>
-              <a:t>14-Jun-2022</a:t>
+              <a:t>28-Jun-2022</a:t>
             </a:fld>
             <a:endParaRPr lang="en-US" dirty="0"/>
           </a:p>
@@ -3485,10 +3478,9 @@
           <a:lstStyle/>
           <a:p>
             <a:r>
-              <a:rPr lang="en-US"/>
+              <a:rPr lang="en-US" dirty="0"/>
               <a:t>LARAVEL TRAINING</a:t>
             </a:r>
-            <a:endParaRPr lang="en-US" dirty="0"/>
           </a:p>
         </p:txBody>
       </p:sp>
@@ -3668,7 +3660,7 @@
           <a:p>
             <a:fld id="{7B98BEDD-6160-49BB-B372-861DE7DE9BA5}" type="datetime1">
               <a:rPr lang="en-US" smtClean="0"/>
-              <a:t>14-Jun-2022</a:t>
+              <a:t>28-Jun-2022</a:t>
             </a:fld>
             <a:endParaRPr lang="en-US" dirty="0"/>
           </a:p>
@@ -4022,7 +4014,7 @@
           <a:p>
             <a:fld id="{815D8738-A015-49AA-BF6E-4B9C5EA99659}" type="datetime1">
               <a:rPr lang="en-US" smtClean="0"/>
-              <a:t>14-Jun-2022</a:t>
+              <a:t>28-Jun-2022</a:t>
             </a:fld>
             <a:endParaRPr lang="en-US" dirty="0"/>
           </a:p>
@@ -4050,10 +4042,9 @@
           <a:lstStyle/>
           <a:p>
             <a:r>
-              <a:rPr lang="en-US"/>
+              <a:rPr lang="en-US" dirty="0"/>
               <a:t>LARAVEL TRAINING</a:t>
             </a:r>
-            <a:endParaRPr lang="en-US" dirty="0"/>
           </a:p>
         </p:txBody>
       </p:sp>
@@ -4281,7 +4272,7 @@
           <a:p>
             <a:fld id="{22112272-D6EE-4BAB-B320-42E181206A46}" type="datetime1">
               <a:rPr lang="en-US" smtClean="0"/>
-              <a:t>14-Jun-2022</a:t>
+              <a:t>28-Jun-2022</a:t>
             </a:fld>
             <a:endParaRPr lang="en-US" dirty="0"/>
           </a:p>
@@ -4309,10 +4300,9 @@
           <a:lstStyle/>
           <a:p>
             <a:r>
-              <a:rPr lang="en-US"/>
+              <a:rPr lang="en-US" dirty="0"/>
               <a:t>LARAVEL TRAINING</a:t>
             </a:r>
-            <a:endParaRPr lang="en-US" dirty="0"/>
           </a:p>
         </p:txBody>
       </p:sp>
@@ -4430,7 +4420,7 @@
           <a:bodyPr/>
           <a:lstStyle/>
           <a:p>
-            <a:endParaRPr lang="en-US"/>
+            <a:endParaRPr lang="en-US" dirty="0"/>
           </a:p>
         </p:txBody>
       </p:sp>
@@ -4457,7 +4447,7 @@
           <a:p>
             <a:fld id="{5C08DD47-C020-4FF0-B8F3-C89AC9F93C1F}" type="datetime1">
               <a:rPr lang="en-US" smtClean="0"/>
-              <a:t>14-Jun-2022</a:t>
+              <a:t>28-Jun-2022</a:t>
             </a:fld>
             <a:endParaRPr lang="en-US" dirty="0"/>
           </a:p>
@@ -4485,10 +4475,9 @@
           <a:lstStyle/>
           <a:p>
             <a:r>
-              <a:rPr lang="en-US"/>
+              <a:rPr lang="en-US" dirty="0"/>
               <a:t>LARAVEL TRAINING</a:t>
             </a:r>
-            <a:endParaRPr lang="en-US" dirty="0"/>
           </a:p>
         </p:txBody>
       </p:sp>
@@ -4554,7 +4543,7 @@
           </a:lstStyle>
           <a:p>
             <a:r>
-              <a:rPr lang="en-US"/>
+              <a:rPr lang="en-US" dirty="0"/>
               <a:t>Click icon to add picture</a:t>
             </a:r>
             <a:endParaRPr lang="ru-RU" dirty="0"/>
@@ -4883,7 +4872,7 @@
           <a:p>
             <a:fld id="{3BAD0E62-19FD-4F0D-878F-833B5767946F}" type="datetime1">
               <a:rPr lang="en-US" smtClean="0"/>
-              <a:t>14-Jun-2022</a:t>
+              <a:t>28-Jun-2022</a:t>
             </a:fld>
             <a:endParaRPr lang="en-US" dirty="0"/>
           </a:p>
@@ -4911,10 +4900,9 @@
           <a:lstStyle/>
           <a:p>
             <a:r>
-              <a:rPr lang="en-US"/>
+              <a:rPr lang="en-US" dirty="0"/>
               <a:t>LARAVEL TRAINING</a:t>
             </a:r>
-            <a:endParaRPr lang="en-US" dirty="0"/>
           </a:p>
         </p:txBody>
       </p:sp>
@@ -4980,7 +4968,7 @@
           </a:lstStyle>
           <a:p>
             <a:r>
-              <a:rPr lang="en-US"/>
+              <a:rPr lang="en-US" dirty="0"/>
               <a:t>Click icon to add picture</a:t>
             </a:r>
             <a:endParaRPr lang="ru-RU" dirty="0"/>
@@ -5202,10 +5190,9 @@
           </a:lstStyle>
           <a:p>
             <a:r>
-              <a:rPr lang="en-US"/>
+              <a:rPr lang="en-US" dirty="0"/>
               <a:t>Click icon to add picture</a:t>
             </a:r>
-            <a:endParaRPr lang="en-US" dirty="0"/>
           </a:p>
         </p:txBody>
       </p:sp>
@@ -5317,7 +5304,7 @@
           <a:p>
             <a:fld id="{7BBF8676-A4AB-4277-8805-E4B89E6B9D97}" type="datetime1">
               <a:rPr lang="en-US" smtClean="0"/>
-              <a:t>14-Jun-2022</a:t>
+              <a:t>28-Jun-2022</a:t>
             </a:fld>
             <a:endParaRPr lang="en-US" dirty="0"/>
           </a:p>
@@ -5345,10 +5332,9 @@
           <a:lstStyle/>
           <a:p>
             <a:r>
-              <a:rPr lang="en-US"/>
+              <a:rPr lang="en-US" dirty="0"/>
               <a:t>LARAVEL TRAINING</a:t>
             </a:r>
-            <a:endParaRPr lang="en-US" dirty="0"/>
           </a:p>
         </p:txBody>
       </p:sp>
@@ -5519,7 +5505,7 @@
           <a:p>
             <a:fld id="{AA126062-27AD-40B2-9A66-7A231D278AC6}" type="datetime1">
               <a:rPr lang="en-US" smtClean="0"/>
-              <a:t>14-Jun-2022</a:t>
+              <a:t>28-Jun-2022</a:t>
             </a:fld>
             <a:endParaRPr lang="en-US" dirty="0"/>
           </a:p>
@@ -5547,10 +5533,9 @@
           <a:lstStyle/>
           <a:p>
             <a:r>
-              <a:rPr lang="en-US"/>
+              <a:rPr lang="en-US" dirty="0"/>
               <a:t>LARAVEL TRAINING</a:t>
             </a:r>
-            <a:endParaRPr lang="en-US" dirty="0"/>
           </a:p>
         </p:txBody>
       </p:sp>
@@ -5614,10 +5599,9 @@
           </a:lstStyle>
           <a:p>
             <a:r>
-              <a:rPr lang="en-US"/>
+              <a:rPr lang="en-US" dirty="0"/>
               <a:t>Click icon to add picture</a:t>
             </a:r>
-            <a:endParaRPr lang="en-US" dirty="0"/>
           </a:p>
         </p:txBody>
       </p:sp>
@@ -6114,7 +6098,7 @@
           <a:p>
             <a:fld id="{C7887F75-3870-40A7-A780-2B73048AC864}" type="datetime1">
               <a:rPr lang="en-US" smtClean="0"/>
-              <a:t>14-Jun-2022</a:t>
+              <a:t>28-Jun-2022</a:t>
             </a:fld>
             <a:endParaRPr lang="en-US" dirty="0"/>
           </a:p>
@@ -6142,10 +6126,9 @@
           <a:lstStyle/>
           <a:p>
             <a:r>
-              <a:rPr lang="en-US"/>
+              <a:rPr lang="en-US" dirty="0"/>
               <a:t>LARAVEL TRAINING</a:t>
             </a:r>
-            <a:endParaRPr lang="en-US" dirty="0"/>
           </a:p>
         </p:txBody>
       </p:sp>
@@ -6254,7 +6237,7 @@
           <a:p>
             <a:fld id="{EE009A23-1520-4464-9F11-D3B9883E6AC0}" type="datetime1">
               <a:rPr lang="en-US" smtClean="0"/>
-              <a:t>14-Jun-2022</a:t>
+              <a:t>28-Jun-2022</a:t>
             </a:fld>
             <a:endParaRPr lang="en-US" dirty="0"/>
           </a:p>
@@ -6282,10 +6265,9 @@
           <a:lstStyle/>
           <a:p>
             <a:r>
-              <a:rPr lang="en-US"/>
+              <a:rPr lang="en-US" dirty="0"/>
               <a:t>LARAVEL TRAINING</a:t>
             </a:r>
-            <a:endParaRPr lang="en-US" dirty="0"/>
           </a:p>
         </p:txBody>
       </p:sp>
@@ -6525,7 +6507,7 @@
           <a:p>
             <a:fld id="{3E499961-2E0F-4B7A-8B26-282FC5D9661E}" type="datetime1">
               <a:rPr lang="en-US" smtClean="0"/>
-              <a:t>14-Jun-2022</a:t>
+              <a:t>28-Jun-2022</a:t>
             </a:fld>
             <a:endParaRPr lang="en-US" dirty="0"/>
           </a:p>
@@ -6566,10 +6548,9 @@
           </a:lstStyle>
           <a:p>
             <a:r>
-              <a:rPr lang="en-US"/>
+              <a:rPr lang="en-US" dirty="0"/>
               <a:t>LARAVEL TRAINING</a:t>
             </a:r>
-            <a:endParaRPr lang="en-US" dirty="0"/>
           </a:p>
         </p:txBody>
       </p:sp>
@@ -7631,23 +7612,7 @@
             </a:pPr>
             <a:r>
               <a:rPr lang="en-GB" sz="1600" dirty="0"/>
-              <a:t>Composer is an application-level dependency manager for the PHP programming language that provides a standard format for managing dependencies of PHP software and required libraries. It was developed by Nils </a:t>
-            </a:r>
-            <a:r>
-              <a:rPr lang="en-GB" sz="1600" dirty="0" err="1"/>
-              <a:t>Adermann</a:t>
-            </a:r>
-            <a:r>
-              <a:rPr lang="en-GB" sz="1600" dirty="0"/>
-              <a:t> and Jordi </a:t>
-            </a:r>
-            <a:r>
-              <a:rPr lang="en-GB" sz="1600" dirty="0" err="1"/>
-              <a:t>Boggiano</a:t>
-            </a:r>
-            <a:r>
-              <a:rPr lang="en-GB" sz="1600" dirty="0"/>
-              <a:t>, who continue to manage the project.</a:t>
+              <a:t>Composer is an application-level dependency manager for the PHP programming language that provides a standard format for managing dependencies of PHP software and required libraries. It was developed by Nils Adermann and Jordi Boggiano, who continue to manage the project.</a:t>
             </a:r>
           </a:p>
           <a:p>
@@ -7700,10 +7665,9 @@
           <a:lstStyle/>
           <a:p>
             <a:r>
-              <a:rPr lang="en-US"/>
+              <a:rPr lang="en-US" dirty="0"/>
               <a:t>LARAVEL TRAINING</a:t>
             </a:r>
-            <a:endParaRPr lang="en-US" dirty="0"/>
           </a:p>
         </p:txBody>
       </p:sp>
@@ -7894,10 +7858,9 @@
           <a:lstStyle/>
           <a:p>
             <a:r>
-              <a:rPr lang="en-US"/>
+              <a:rPr lang="en-US" dirty="0"/>
               <a:t>LARAVEL TRAINING</a:t>
             </a:r>
-            <a:endParaRPr lang="en-US" dirty="0"/>
           </a:p>
         </p:txBody>
       </p:sp>
@@ -8008,15 +7971,7 @@
             </a:pPr>
             <a:r>
               <a:rPr lang="en-GB" sz="1600" dirty="0"/>
-              <a:t>Laravel is a free, open-source PHP web framework, created by Taylor </a:t>
-            </a:r>
-            <a:r>
-              <a:rPr lang="en-GB" sz="1600" dirty="0" err="1"/>
-              <a:t>Otwell</a:t>
-            </a:r>
-            <a:r>
-              <a:rPr lang="en-GB" sz="1600" dirty="0"/>
-              <a:t> and intended for the development of web applications following the model–view–controller architectural pattern and based on Symfony. </a:t>
+              <a:t>Laravel is a free, open-source PHP web framework, created by Taylor Otwell and intended for the development of web applications following the model–view–controller architectural pattern and based on Symfony. </a:t>
             </a:r>
             <a:r>
               <a:rPr lang="en-GB" sz="1600" dirty="0">
@@ -8062,31 +8017,7 @@
               <a:rPr lang="en-US" sz="1400" dirty="0">
                 <a:latin typeface="Consolas" panose="020B0609020204030204" pitchFamily="49" charset="0"/>
               </a:rPr>
-              <a:t>composer create-project </a:t>
-            </a:r>
-            <a:r>
-              <a:rPr lang="en-US" sz="1400" dirty="0" err="1">
-                <a:latin typeface="Consolas" panose="020B0609020204030204" pitchFamily="49" charset="0"/>
-              </a:rPr>
-              <a:t>laravel</a:t>
-            </a:r>
-            <a:r>
-              <a:rPr lang="en-US" sz="1400" dirty="0">
-                <a:latin typeface="Consolas" panose="020B0609020204030204" pitchFamily="49" charset="0"/>
-              </a:rPr>
-              <a:t>/</a:t>
-            </a:r>
-            <a:r>
-              <a:rPr lang="en-US" sz="1400" dirty="0" err="1">
-                <a:latin typeface="Consolas" panose="020B0609020204030204" pitchFamily="49" charset="0"/>
-              </a:rPr>
-              <a:t>laravel</a:t>
-            </a:r>
-            <a:r>
-              <a:rPr lang="en-US" sz="1400" dirty="0">
-                <a:latin typeface="Consolas" panose="020B0609020204030204" pitchFamily="49" charset="0"/>
-              </a:rPr>
-              <a:t> example-app</a:t>
+              <a:t>composer create-project laravel/laravel example-app</a:t>
             </a:r>
           </a:p>
           <a:p>
@@ -8124,43 +8055,7 @@
               <a:rPr lang="en-US" sz="1400" dirty="0">
                 <a:latin typeface="Consolas" panose="020B0609020204030204" pitchFamily="49" charset="0"/>
               </a:rPr>
-              <a:t>composer create-project --prefer-</a:t>
-            </a:r>
-            <a:r>
-              <a:rPr lang="en-US" sz="1400" dirty="0" err="1">
-                <a:latin typeface="Consolas" panose="020B0609020204030204" pitchFamily="49" charset="0"/>
-              </a:rPr>
-              <a:t>dist</a:t>
-            </a:r>
-            <a:r>
-              <a:rPr lang="en-US" sz="1400" dirty="0">
-                <a:latin typeface="Consolas" panose="020B0609020204030204" pitchFamily="49" charset="0"/>
-              </a:rPr>
-              <a:t> </a:t>
-            </a:r>
-            <a:r>
-              <a:rPr lang="en-US" sz="1400" dirty="0" err="1">
-                <a:latin typeface="Consolas" panose="020B0609020204030204" pitchFamily="49" charset="0"/>
-              </a:rPr>
-              <a:t>laravel</a:t>
-            </a:r>
-            <a:r>
-              <a:rPr lang="en-US" sz="1400" dirty="0">
-                <a:latin typeface="Consolas" panose="020B0609020204030204" pitchFamily="49" charset="0"/>
-              </a:rPr>
-              <a:t>/</a:t>
-            </a:r>
-            <a:r>
-              <a:rPr lang="en-US" sz="1400" dirty="0" err="1">
-                <a:latin typeface="Consolas" panose="020B0609020204030204" pitchFamily="49" charset="0"/>
-              </a:rPr>
-              <a:t>laravel</a:t>
-            </a:r>
-            <a:r>
-              <a:rPr lang="en-US" sz="1400" dirty="0">
-                <a:latin typeface="Consolas" panose="020B0609020204030204" pitchFamily="49" charset="0"/>
-              </a:rPr>
-              <a:t>:^7.0 blog</a:t>
+              <a:t>composer create-project --prefer-dist laravel/laravel:^7.0 blog</a:t>
             </a:r>
           </a:p>
           <a:p>
@@ -8652,10 +8547,9 @@
           <a:lstStyle/>
           <a:p>
             <a:r>
-              <a:rPr lang="en-US"/>
+              <a:rPr lang="en-US" dirty="0"/>
               <a:t>LARAVEL TRAINING</a:t>
             </a:r>
-            <a:endParaRPr lang="en-US" dirty="0"/>
           </a:p>
         </p:txBody>
       </p:sp>
@@ -8740,10 +8634,9 @@
           <a:lstStyle/>
           <a:p>
             <a:r>
-              <a:rPr lang="en-US"/>
+              <a:rPr lang="en-US" dirty="0"/>
               <a:t>LARAVEL TRAINING</a:t>
             </a:r>
-            <a:endParaRPr lang="en-US" dirty="0"/>
           </a:p>
         </p:txBody>
       </p:sp>
@@ -9069,10 +8962,9 @@
           <a:lstStyle/>
           <a:p>
             <a:r>
-              <a:rPr lang="en-US"/>
+              <a:rPr lang="en-US" dirty="0"/>
               <a:t>LARAVEL TRAINING</a:t>
             </a:r>
-            <a:endParaRPr lang="en-US" dirty="0"/>
           </a:p>
         </p:txBody>
       </p:sp>
@@ -9229,19 +9121,7 @@
               <a:rPr lang="en-GB" dirty="0">
                 <a:cs typeface="Courier New" panose="02070309020205020404" pitchFamily="49" charset="0"/>
               </a:rPr>
-              <a:t>Let us create our views “</a:t>
-            </a:r>
-            <a:r>
-              <a:rPr lang="en-GB" dirty="0" err="1">
-                <a:cs typeface="Courier New" panose="02070309020205020404" pitchFamily="49" charset="0"/>
-              </a:rPr>
-              <a:t>contact.blade.php</a:t>
-            </a:r>
-            <a:r>
-              <a:rPr lang="en-GB" dirty="0">
-                <a:cs typeface="Courier New" panose="02070309020205020404" pitchFamily="49" charset="0"/>
-              </a:rPr>
-              <a:t>”</a:t>
+              <a:t>Let us create our views “contact.blade.php”</a:t>
             </a:r>
           </a:p>
           <a:p>
@@ -9285,7 +9165,21 @@
                 <a:latin typeface="Consolas" panose="020B0609020204030204" pitchFamily="49" charset="0"/>
                 <a:cs typeface="Courier New" panose="02070309020205020404" pitchFamily="49" charset="0"/>
               </a:rPr>
-              <a:t>&lt;p&gt;123 – 123 - 1234&lt;/p&gt;</a:t>
+              <a:t>&lt;</a:t>
+            </a:r>
+            <a:r>
+              <a:rPr lang="en-GB">
+                <a:latin typeface="Consolas" panose="020B0609020204030204" pitchFamily="49" charset="0"/>
+                <a:cs typeface="Courier New" panose="02070309020205020404" pitchFamily="49" charset="0"/>
+              </a:rPr>
+              <a:t>p&gt;7363674657&lt;/</a:t>
+            </a:r>
+            <a:r>
+              <a:rPr lang="en-GB" dirty="0">
+                <a:latin typeface="Consolas" panose="020B0609020204030204" pitchFamily="49" charset="0"/>
+                <a:cs typeface="Courier New" panose="02070309020205020404" pitchFamily="49" charset="0"/>
+              </a:rPr>
+              <a:t>p&gt;</a:t>
             </a:r>
           </a:p>
           <a:p>
@@ -9401,10 +9295,9 @@
           <a:lstStyle/>
           <a:p>
             <a:r>
-              <a:rPr lang="en-US"/>
+              <a:rPr lang="en-US" dirty="0"/>
               <a:t>LARAVEL TRAINING</a:t>
             </a:r>
-            <a:endParaRPr lang="en-US" dirty="0"/>
           </a:p>
         </p:txBody>
       </p:sp>
@@ -9841,10 +9734,9 @@
           <a:lstStyle/>
           <a:p>
             <a:r>
-              <a:rPr lang="en-US"/>
+              <a:rPr lang="en-US" dirty="0"/>
               <a:t>LARAVEL TRAINING</a:t>
             </a:r>
-            <a:endParaRPr lang="en-US" dirty="0"/>
           </a:p>
         </p:txBody>
       </p:sp>
@@ -10001,15 +9893,7 @@
           <a:p>
             <a:r>
               <a:rPr lang="en-GB" dirty="0"/>
-              <a:t>“get a route accepting the “</a:t>
-            </a:r>
-            <a:r>
-              <a:rPr lang="en-GB" dirty="0" err="1"/>
-              <a:t>uri</a:t>
-            </a:r>
-            <a:r>
-              <a:rPr lang="en-GB" dirty="0"/>
-              <a:t>” as a parameter and return me a “view”</a:t>
+              <a:t>“get a route accepting the “uri” as a parameter and return me a “view”</a:t>
             </a:r>
             <a:endParaRPr lang="en-US" dirty="0"/>
           </a:p>
@@ -10134,35 +10018,19 @@
           <a:p>
             <a:r>
               <a:rPr lang="en-US" dirty="0"/>
-              <a:t>Views introduced us to the naming convention “</a:t>
-            </a:r>
-            <a:r>
-              <a:rPr lang="en-US" dirty="0" err="1"/>
-              <a:t>yourname.blade.php</a:t>
-            </a:r>
+              <a:t>Views introduced us to the naming convention “yourname.blade.php”.</a:t>
+            </a:r>
+          </a:p>
+          <a:p>
             <a:r>
               <a:rPr lang="en-US" dirty="0"/>
-              <a:t>”.</a:t>
-            </a:r>
-          </a:p>
-          <a:p>
-            <a:r>
-              <a:rPr lang="en-US" dirty="0"/>
-              <a:t>“blade” is a rendering engine that ships with Laravel.</a:t>
+              <a:t>“Blade” is a rendering engine that ships with Laravel.</a:t>
             </a:r>
           </a:p>
           <a:p>
             <a:r>
               <a:rPr lang="en-GB" dirty="0"/>
-              <a:t>Any view that you create in the views folder follows the naming convention of “</a:t>
-            </a:r>
-            <a:r>
-              <a:rPr lang="en-GB" dirty="0" err="1"/>
-              <a:t>yourname.blade.php</a:t>
-            </a:r>
-            <a:r>
-              <a:rPr lang="en-GB" dirty="0"/>
-              <a:t>”. </a:t>
+              <a:t>Any view that you create in the views folder follows the naming convention of “yourname.blade.php”. </a:t>
             </a:r>
             <a:r>
               <a:rPr lang="en-US" dirty="0"/>
@@ -10366,10 +10234,9 @@
           <a:lstStyle/>
           <a:p>
             <a:r>
-              <a:rPr lang="en-US"/>
+              <a:rPr lang="en-US" dirty="0"/>
               <a:t>LARAVEL TRAINING</a:t>
             </a:r>
-            <a:endParaRPr lang="en-US" dirty="0"/>
           </a:p>
         </p:txBody>
       </p:sp>
@@ -10682,7 +10549,7 @@
             <a:pPr lvl="1"/>
             <a:r>
               <a:rPr lang="en-US" dirty="0"/>
-              <a:t>As we go along get to understand OOP (classes, objects, properties, methods, dependencies, traits, and other “keywords.”)</a:t>
+              <a:t>Pick up OOP concepts (classes, objects, properties, methods, dependencies, traits, and other “keywords”) in your learning path.</a:t>
             </a:r>
           </a:p>
           <a:p>
@@ -10696,13 +10563,8 @@
             <a:pPr lvl="1"/>
             <a:r>
               <a:rPr lang="en-US" dirty="0"/>
-              <a:t>Google and </a:t>
-            </a:r>
-            <a:r>
-              <a:rPr lang="en-US" dirty="0" err="1"/>
-              <a:t>StackOveflow</a:t>
-            </a:r>
-            <a:endParaRPr lang="en-US" dirty="0"/>
+              <a:t>Google and StackOveflow</a:t>
+            </a:r>
           </a:p>
           <a:p>
             <a:pPr lvl="1"/>
@@ -10832,10 +10694,9 @@
           <a:lstStyle/>
           <a:p>
             <a:r>
-              <a:rPr lang="en-US"/>
+              <a:rPr lang="en-US" dirty="0"/>
               <a:t>LARAVEL TRAINING</a:t>
             </a:r>
-            <a:endParaRPr lang="en-US" dirty="0"/>
           </a:p>
         </p:txBody>
       </p:sp>
@@ -10948,10 +10809,9 @@
           <a:lstStyle/>
           <a:p>
             <a:r>
-              <a:rPr lang="en-US"/>
+              <a:rPr lang="en-US" dirty="0"/>
               <a:t>LARAVEL TRAINING</a:t>
             </a:r>
-            <a:endParaRPr lang="en-US" dirty="0"/>
           </a:p>
         </p:txBody>
       </p:sp>
@@ -11425,10 +11285,9 @@
           <a:lstStyle/>
           <a:p>
             <a:r>
-              <a:rPr lang="en-US"/>
+              <a:rPr lang="en-US" dirty="0"/>
               <a:t>LARAVEL TRAINING</a:t>
             </a:r>
-            <a:endParaRPr lang="en-US" dirty="0"/>
           </a:p>
         </p:txBody>
       </p:sp>
@@ -11569,10 +11428,9 @@
           <a:lstStyle/>
           <a:p>
             <a:r>
-              <a:rPr lang="en-US"/>
+              <a:rPr lang="en-US" dirty="0"/>
               <a:t>LARAVEL TRAINING</a:t>
             </a:r>
-            <a:endParaRPr lang="en-US" dirty="0"/>
           </a:p>
         </p:txBody>
       </p:sp>
@@ -12009,10 +11867,9 @@
           <a:lstStyle/>
           <a:p>
             <a:r>
-              <a:rPr lang="en-US"/>
+              <a:rPr lang="en-US" dirty="0"/>
               <a:t>LARAVEL TRAINING</a:t>
             </a:r>
-            <a:endParaRPr lang="en-US" dirty="0"/>
           </a:p>
         </p:txBody>
       </p:sp>
@@ -13442,10 +13299,9 @@
           <a:lstStyle/>
           <a:p>
             <a:r>
-              <a:rPr lang="en-US"/>
+              <a:rPr lang="en-US" dirty="0"/>
               <a:t>LARAVEL TRAINING</a:t>
             </a:r>
-            <a:endParaRPr lang="en-US" dirty="0"/>
           </a:p>
         </p:txBody>
       </p:sp>
@@ -13600,10 +13456,9 @@
           <a:lstStyle/>
           <a:p>
             <a:r>
-              <a:rPr lang="en-US"/>
+              <a:rPr lang="en-US" dirty="0"/>
               <a:t>LARAVEL TRAINING</a:t>
             </a:r>
-            <a:endParaRPr lang="en-US" dirty="0"/>
           </a:p>
         </p:txBody>
       </p:sp>
@@ -13758,10 +13613,9 @@
           <a:lstStyle/>
           <a:p>
             <a:r>
-              <a:rPr lang="en-US"/>
+              <a:rPr lang="en-US" dirty="0"/>
               <a:t>LARAVEL TRAINING</a:t>
             </a:r>
-            <a:endParaRPr lang="en-US" dirty="0"/>
           </a:p>
         </p:txBody>
       </p:sp>
@@ -13910,15 +13764,7 @@
             </a:pPr>
             <a:r>
               <a:rPr lang="en-GB" sz="1600" dirty="0"/>
-              <a:t>Download </a:t>
-            </a:r>
-            <a:r>
-              <a:rPr lang="en-GB" sz="1600" dirty="0" err="1"/>
-              <a:t>xamp</a:t>
-            </a:r>
-            <a:r>
-              <a:rPr lang="en-GB" sz="1600" dirty="0"/>
-              <a:t> at </a:t>
+              <a:t>Download xamp at </a:t>
             </a:r>
             <a:r>
               <a:rPr lang="en-GB" sz="1600" dirty="0">
@@ -14876,6 +14722,15 @@
 </file>
 
 <file path=customXml/item1.xml><?xml version="1.0" encoding="utf-8"?>
+<?mso-contentType ?>
+<FormTemplates xmlns="http://schemas.microsoft.com/sharepoint/v3/contenttype/forms">
+  <Display>DocumentLibraryForm</Display>
+  <Edit>DocumentLibraryForm</Edit>
+  <New>DocumentLibraryForm</New>
+</FormTemplates>
+</file>
+
+<file path=customXml/item2.xml><?xml version="1.0" encoding="utf-8"?>
 <ct:contentTypeSchema xmlns:ct="http://schemas.microsoft.com/office/2006/metadata/contentType" xmlns:ma="http://schemas.microsoft.com/office/2006/metadata/properties/metaAttributes" ct:_="" ma:_="" ma:contentTypeName="Document" ma:contentTypeID="0x01010079F111ED35F8CC479449609E8A0923A6" ma:contentTypeVersion="12" ma:contentTypeDescription="Create a new document." ma:contentTypeScope="" ma:versionID="fa6e671f1cd7e4d96ff9652be322dd5e">
   <xsd:schema xmlns:xsd="http://www.w3.org/2001/XMLSchema" xmlns:xs="http://www.w3.org/2001/XMLSchema" xmlns:p="http://schemas.microsoft.com/office/2006/metadata/properties" xmlns:ns2="71af3243-3dd4-4a8d-8c0d-dd76da1f02a5" xmlns:ns3="16c05727-aa75-4e4a-9b5f-8a80a1165891" targetNamespace="http://schemas.microsoft.com/office/2006/metadata/properties" ma:root="true" ma:fieldsID="4e2496f70b101db0b8013f30a071bbf7" ns2:_="" ns3:_="">
     <xsd:import namespace="71af3243-3dd4-4a8d-8c0d-dd76da1f02a5"/>
@@ -15096,15 +14951,6 @@
 </ct:contentTypeSchema>
 </file>
 
-<file path=customXml/item2.xml><?xml version="1.0" encoding="utf-8"?>
-<?mso-contentType ?>
-<FormTemplates xmlns="http://schemas.microsoft.com/sharepoint/v3/contenttype/forms">
-  <Display>DocumentLibraryForm</Display>
-  <Edit>DocumentLibraryForm</Edit>
-  <New>DocumentLibraryForm</New>
-</FormTemplates>
-</file>
-
 <file path=customXml/item3.xml><?xml version="1.0" encoding="utf-8"?>
 <p:properties xmlns:p="http://schemas.microsoft.com/office/2006/metadata/properties" xmlns:xsi="http://www.w3.org/2001/XMLSchema-instance" xmlns:pc="http://schemas.microsoft.com/office/infopath/2007/PartnerControls">
   <documentManagement>
@@ -15115,6 +14961,14 @@
 </file>
 
 <file path=customXml/itemProps1.xml><?xml version="1.0" encoding="utf-8"?>
+<ds:datastoreItem xmlns:ds="http://schemas.openxmlformats.org/officeDocument/2006/customXml" ds:itemID="{9C65060F-1094-41F3-95E3-03DA10677CAD}">
+  <ds:schemaRefs>
+    <ds:schemaRef ds:uri="http://schemas.microsoft.com/sharepoint/v3/contenttype/forms"/>
+  </ds:schemaRefs>
+</ds:datastoreItem>
+</file>
+
+<file path=customXml/itemProps2.xml><?xml version="1.0" encoding="utf-8"?>
 <ds:datastoreItem xmlns:ds="http://schemas.openxmlformats.org/officeDocument/2006/customXml" ds:itemID="{1A09386F-CDB5-4CE9-AE70-AE4E53A63350}">
   <ds:schemaRefs>
     <ds:schemaRef ds:uri="http://schemas.microsoft.com/office/2006/metadata/contentType"/>
@@ -15133,14 +14987,6 @@
 </ds:datastoreItem>
 </file>
 
-<file path=customXml/itemProps2.xml><?xml version="1.0" encoding="utf-8"?>
-<ds:datastoreItem xmlns:ds="http://schemas.openxmlformats.org/officeDocument/2006/customXml" ds:itemID="{9C65060F-1094-41F3-95E3-03DA10677CAD}">
-  <ds:schemaRefs>
-    <ds:schemaRef ds:uri="http://schemas.microsoft.com/sharepoint/v3/contenttype/forms"/>
-  </ds:schemaRefs>
-</ds:datastoreItem>
-</file>
-
 <file path=customXml/itemProps3.xml><?xml version="1.0" encoding="utf-8"?>
 <ds:datastoreItem xmlns:ds="http://schemas.openxmlformats.org/officeDocument/2006/customXml" ds:itemID="{318F16D9-EB65-4F11-9CD9-58377B437CF8}">
   <ds:schemaRefs>
